--- a/스토리 보드 - Final.pptx
+++ b/스토리 보드 - Final.pptx
@@ -255,7 +255,7 @@
           <a:p>
             <a:fld id="{E7C4CD3D-B0DA-4C40-B2D8-01C9BA06E850}" type="datetimeFigureOut">
               <a:rPr lang="ko-KR" altLang="en-US" smtClean="0"/>
-              <a:t>2023-04-21</a:t>
+              <a:t>2023-04-24</a:t>
             </a:fld>
             <a:endParaRPr lang="ko-KR" altLang="en-US"/>
           </a:p>
@@ -425,7 +425,7 @@
           <a:p>
             <a:fld id="{E7C4CD3D-B0DA-4C40-B2D8-01C9BA06E850}" type="datetimeFigureOut">
               <a:rPr lang="ko-KR" altLang="en-US" smtClean="0"/>
-              <a:t>2023-04-21</a:t>
+              <a:t>2023-04-24</a:t>
             </a:fld>
             <a:endParaRPr lang="ko-KR" altLang="en-US"/>
           </a:p>
@@ -605,7 +605,7 @@
           <a:p>
             <a:fld id="{E7C4CD3D-B0DA-4C40-B2D8-01C9BA06E850}" type="datetimeFigureOut">
               <a:rPr lang="ko-KR" altLang="en-US" smtClean="0"/>
-              <a:t>2023-04-21</a:t>
+              <a:t>2023-04-24</a:t>
             </a:fld>
             <a:endParaRPr lang="ko-KR" altLang="en-US"/>
           </a:p>
@@ -775,7 +775,7 @@
           <a:p>
             <a:fld id="{E7C4CD3D-B0DA-4C40-B2D8-01C9BA06E850}" type="datetimeFigureOut">
               <a:rPr lang="ko-KR" altLang="en-US" smtClean="0"/>
-              <a:t>2023-04-21</a:t>
+              <a:t>2023-04-24</a:t>
             </a:fld>
             <a:endParaRPr lang="ko-KR" altLang="en-US"/>
           </a:p>
@@ -1021,7 +1021,7 @@
           <a:p>
             <a:fld id="{E7C4CD3D-B0DA-4C40-B2D8-01C9BA06E850}" type="datetimeFigureOut">
               <a:rPr lang="ko-KR" altLang="en-US" smtClean="0"/>
-              <a:t>2023-04-21</a:t>
+              <a:t>2023-04-24</a:t>
             </a:fld>
             <a:endParaRPr lang="ko-KR" altLang="en-US"/>
           </a:p>
@@ -1253,7 +1253,7 @@
           <a:p>
             <a:fld id="{E7C4CD3D-B0DA-4C40-B2D8-01C9BA06E850}" type="datetimeFigureOut">
               <a:rPr lang="ko-KR" altLang="en-US" smtClean="0"/>
-              <a:t>2023-04-21</a:t>
+              <a:t>2023-04-24</a:t>
             </a:fld>
             <a:endParaRPr lang="ko-KR" altLang="en-US"/>
           </a:p>
@@ -1620,7 +1620,7 @@
           <a:p>
             <a:fld id="{E7C4CD3D-B0DA-4C40-B2D8-01C9BA06E850}" type="datetimeFigureOut">
               <a:rPr lang="ko-KR" altLang="en-US" smtClean="0"/>
-              <a:t>2023-04-21</a:t>
+              <a:t>2023-04-24</a:t>
             </a:fld>
             <a:endParaRPr lang="ko-KR" altLang="en-US"/>
           </a:p>
@@ -1738,7 +1738,7 @@
           <a:p>
             <a:fld id="{E7C4CD3D-B0DA-4C40-B2D8-01C9BA06E850}" type="datetimeFigureOut">
               <a:rPr lang="ko-KR" altLang="en-US" smtClean="0"/>
-              <a:t>2023-04-21</a:t>
+              <a:t>2023-04-24</a:t>
             </a:fld>
             <a:endParaRPr lang="ko-KR" altLang="en-US"/>
           </a:p>
@@ -1833,7 +1833,7 @@
           <a:p>
             <a:fld id="{E7C4CD3D-B0DA-4C40-B2D8-01C9BA06E850}" type="datetimeFigureOut">
               <a:rPr lang="ko-KR" altLang="en-US" smtClean="0"/>
-              <a:t>2023-04-21</a:t>
+              <a:t>2023-04-24</a:t>
             </a:fld>
             <a:endParaRPr lang="ko-KR" altLang="en-US"/>
           </a:p>
@@ -2110,7 +2110,7 @@
           <a:p>
             <a:fld id="{E7C4CD3D-B0DA-4C40-B2D8-01C9BA06E850}" type="datetimeFigureOut">
               <a:rPr lang="ko-KR" altLang="en-US" smtClean="0"/>
-              <a:t>2023-04-21</a:t>
+              <a:t>2023-04-24</a:t>
             </a:fld>
             <a:endParaRPr lang="ko-KR" altLang="en-US"/>
           </a:p>
@@ -2363,7 +2363,7 @@
           <a:p>
             <a:fld id="{E7C4CD3D-B0DA-4C40-B2D8-01C9BA06E850}" type="datetimeFigureOut">
               <a:rPr lang="ko-KR" altLang="en-US" smtClean="0"/>
-              <a:t>2023-04-21</a:t>
+              <a:t>2023-04-24</a:t>
             </a:fld>
             <a:endParaRPr lang="ko-KR" altLang="en-US"/>
           </a:p>
@@ -2576,7 +2576,7 @@
           <a:p>
             <a:fld id="{E7C4CD3D-B0DA-4C40-B2D8-01C9BA06E850}" type="datetimeFigureOut">
               <a:rPr lang="ko-KR" altLang="en-US" smtClean="0"/>
-              <a:t>2023-04-21</a:t>
+              <a:t>2023-04-24</a:t>
             </a:fld>
             <a:endParaRPr lang="ko-KR" altLang="en-US"/>
           </a:p>
@@ -3477,14 +3477,14 @@
           <p:nvPr>
             <p:extLst>
               <p:ext uri="{D42A27DB-BD31-4B8C-83A1-F6EECF244321}">
-                <p14:modId xmlns:p14="http://schemas.microsoft.com/office/powerpoint/2010/main" val="462074042"/>
+                <p14:modId xmlns:p14="http://schemas.microsoft.com/office/powerpoint/2010/main" val="2950615721"/>
               </p:ext>
             </p:extLst>
           </p:nvPr>
         </p:nvGraphicFramePr>
         <p:xfrm>
           <a:off x="2356196" y="1132115"/>
-          <a:ext cx="9603045" cy="5190975"/>
+          <a:ext cx="9603045" cy="5423295"/>
         </p:xfrm>
         <a:graphic>
           <a:graphicData uri="http://schemas.openxmlformats.org/drawingml/2006/table">
@@ -3521,12 +3521,16 @@
                     <a:bodyPr/>
                     <a:lstStyle/>
                     <a:p>
-                      <a:pPr algn="l" latinLnBrk="1"/>
-                      <a:r>
-                        <a:rPr lang="ko-KR" altLang="en-US" sz="2400" b="1" dirty="0" err="1" smtClean="0"/>
+                      <a:pPr algn="ctr" latinLnBrk="1"/>
+                      <a:r>
+                        <a:rPr lang="ko-KR" altLang="en-US" sz="2400" b="1" dirty="0" err="1" smtClean="0">
+                          <a:latin typeface="+mn-lt"/>
+                        </a:rPr>
                         <a:t>대구분</a:t>
                       </a:r>
-                      <a:endParaRPr lang="ko-KR" altLang="en-US" sz="2400" b="1" dirty="0"/>
+                      <a:endParaRPr lang="ko-KR" altLang="en-US" sz="2400" b="1" dirty="0">
+                        <a:latin typeface="+mn-lt"/>
+                      </a:endParaRPr>
                     </a:p>
                   </a:txBody>
                   <a:tcPr anchor="ctr"/>
@@ -3536,12 +3540,16 @@
                     <a:bodyPr/>
                     <a:lstStyle/>
                     <a:p>
-                      <a:pPr algn="l" latinLnBrk="1"/>
-                      <a:r>
-                        <a:rPr lang="ko-KR" altLang="en-US" sz="2400" b="1" dirty="0" err="1" smtClean="0"/>
+                      <a:pPr algn="ctr" latinLnBrk="1"/>
+                      <a:r>
+                        <a:rPr lang="ko-KR" altLang="en-US" sz="2400" b="1" dirty="0" err="1" smtClean="0">
+                          <a:latin typeface="+mn-lt"/>
+                        </a:rPr>
                         <a:t>중구분</a:t>
                       </a:r>
-                      <a:endParaRPr lang="ko-KR" altLang="en-US" sz="2400" b="1" dirty="0"/>
+                      <a:endParaRPr lang="ko-KR" altLang="en-US" sz="2400" b="1" dirty="0">
+                        <a:latin typeface="+mn-lt"/>
+                      </a:endParaRPr>
                     </a:p>
                   </a:txBody>
                   <a:tcPr anchor="ctr"/>
@@ -3551,12 +3559,16 @@
                     <a:bodyPr/>
                     <a:lstStyle/>
                     <a:p>
-                      <a:pPr algn="l" latinLnBrk="1"/>
-                      <a:r>
-                        <a:rPr lang="ko-KR" altLang="en-US" sz="2400" b="1" dirty="0" smtClean="0"/>
+                      <a:pPr algn="ctr" latinLnBrk="1"/>
+                      <a:r>
+                        <a:rPr lang="ko-KR" altLang="en-US" sz="2400" b="1" dirty="0" smtClean="0">
+                          <a:latin typeface="+mn-lt"/>
+                        </a:rPr>
                         <a:t>설명</a:t>
                       </a:r>
-                      <a:endParaRPr lang="ko-KR" altLang="en-US" sz="2400" b="1" dirty="0"/>
+                      <a:endParaRPr lang="ko-KR" altLang="en-US" sz="2400" b="1" dirty="0">
+                        <a:latin typeface="+mn-lt"/>
+                      </a:endParaRPr>
                     </a:p>
                   </a:txBody>
                   <a:tcPr anchor="ctr"/>
@@ -3573,42 +3585,54 @@
                     <a:bodyPr/>
                     <a:lstStyle/>
                     <a:p>
+                      <a:pPr algn="ctr" latinLnBrk="1"/>
+                      <a:r>
+                        <a:rPr lang="ko-KR" altLang="en-US" sz="2400" b="0" dirty="0" err="1" smtClean="0">
+                          <a:latin typeface="+mn-lt"/>
+                        </a:rPr>
+                        <a:t>예약정책</a:t>
+                      </a:r>
+                      <a:endParaRPr lang="ko-KR" altLang="en-US" sz="2400" b="0" dirty="0">
+                        <a:latin typeface="+mn-lt"/>
+                      </a:endParaRPr>
+                    </a:p>
+                  </a:txBody>
+                  <a:tcPr anchor="ctr"/>
+                </a:tc>
+                <a:tc>
+                  <a:txBody>
+                    <a:bodyPr/>
+                    <a:lstStyle/>
+                    <a:p>
+                      <a:pPr algn="ctr" latinLnBrk="1"/>
+                      <a:r>
+                        <a:rPr lang="ko-KR" altLang="en-US" sz="2400" b="0" dirty="0" smtClean="0">
+                          <a:latin typeface="+mn-lt"/>
+                        </a:rPr>
+                        <a:t>국가</a:t>
+                      </a:r>
+                      <a:endParaRPr lang="ko-KR" altLang="en-US" sz="2400" b="0" dirty="0">
+                        <a:latin typeface="+mn-lt"/>
+                      </a:endParaRPr>
+                    </a:p>
+                  </a:txBody>
+                  <a:tcPr anchor="ctr"/>
+                </a:tc>
+                <a:tc>
+                  <a:txBody>
+                    <a:bodyPr/>
+                    <a:lstStyle/>
+                    <a:p>
                       <a:pPr algn="l" latinLnBrk="1"/>
                       <a:r>
-                        <a:rPr lang="ko-KR" altLang="en-US" sz="2400" dirty="0" err="1" smtClean="0"/>
-                        <a:t>예약정책</a:t>
-                      </a:r>
-                      <a:endParaRPr lang="ko-KR" altLang="en-US" sz="2400" dirty="0"/>
-                    </a:p>
-                  </a:txBody>
-                  <a:tcPr anchor="ctr"/>
-                </a:tc>
-                <a:tc>
-                  <a:txBody>
-                    <a:bodyPr/>
-                    <a:lstStyle/>
-                    <a:p>
-                      <a:pPr algn="l" latinLnBrk="1"/>
-                      <a:r>
-                        <a:rPr lang="ko-KR" altLang="en-US" sz="2400" dirty="0" smtClean="0"/>
-                        <a:t>국가</a:t>
-                      </a:r>
-                      <a:endParaRPr lang="ko-KR" altLang="en-US" sz="2400" dirty="0"/>
-                    </a:p>
-                  </a:txBody>
-                  <a:tcPr anchor="ctr"/>
-                </a:tc>
-                <a:tc>
-                  <a:txBody>
-                    <a:bodyPr/>
-                    <a:lstStyle/>
-                    <a:p>
-                      <a:pPr algn="l" latinLnBrk="1"/>
-                      <a:r>
-                        <a:rPr lang="ko-KR" altLang="en-US" sz="1400" dirty="0" smtClean="0"/>
+                        <a:rPr lang="ko-KR" altLang="en-US" sz="1400" b="0" dirty="0" smtClean="0">
+                          <a:latin typeface="+mn-lt"/>
+                        </a:rPr>
                         <a:t>대한민국 국내에 있는 숙소 등록 예약 페이지</a:t>
                       </a:r>
-                      <a:endParaRPr lang="ko-KR" altLang="en-US" sz="1400" dirty="0"/>
+                      <a:endParaRPr lang="ko-KR" altLang="en-US" sz="1400" b="0" dirty="0">
+                        <a:latin typeface="+mn-lt"/>
+                      </a:endParaRPr>
                     </a:p>
                   </a:txBody>
                   <a:tcPr anchor="ctr"/>
@@ -3636,39 +3660,53 @@
                     <a:bodyPr/>
                     <a:lstStyle/>
                     <a:p>
+                      <a:pPr algn="ctr" latinLnBrk="1"/>
+                      <a:r>
+                        <a:rPr lang="ko-KR" altLang="en-US" sz="2400" b="0" dirty="0" smtClean="0">
+                          <a:latin typeface="+mn-lt"/>
+                        </a:rPr>
+                        <a:t>언어</a:t>
+                      </a:r>
+                      <a:endParaRPr lang="ko-KR" altLang="en-US" sz="2400" b="0" dirty="0">
+                        <a:latin typeface="+mn-lt"/>
+                      </a:endParaRPr>
+                    </a:p>
+                  </a:txBody>
+                  <a:tcPr anchor="ctr"/>
+                </a:tc>
+                <a:tc>
+                  <a:txBody>
+                    <a:bodyPr/>
+                    <a:lstStyle/>
+                    <a:p>
                       <a:pPr algn="l" latinLnBrk="1"/>
                       <a:r>
-                        <a:rPr lang="ko-KR" altLang="en-US" sz="2400" dirty="0" smtClean="0"/>
-                        <a:t>언어</a:t>
-                      </a:r>
-                      <a:endParaRPr lang="ko-KR" altLang="en-US" sz="2400" dirty="0"/>
-                    </a:p>
-                  </a:txBody>
-                  <a:tcPr anchor="ctr"/>
-                </a:tc>
-                <a:tc>
-                  <a:txBody>
-                    <a:bodyPr/>
-                    <a:lstStyle/>
+                        <a:rPr lang="ko-KR" altLang="en-US" sz="1400" b="0" dirty="0" smtClean="0">
+                          <a:latin typeface="+mn-lt"/>
+                        </a:rPr>
+                        <a:t>한국어</a:t>
+                      </a:r>
+                      <a:r>
+                        <a:rPr lang="en-US" altLang="ko-KR" sz="1400" b="0" baseline="0" dirty="0" smtClean="0">
+                          <a:latin typeface="+mn-lt"/>
+                        </a:rPr>
+                        <a:t>/</a:t>
+                      </a:r>
+                      <a:r>
+                        <a:rPr lang="ko-KR" altLang="en-US" sz="1400" b="0" baseline="0" dirty="0" smtClean="0">
+                          <a:latin typeface="+mn-lt"/>
+                        </a:rPr>
+                        <a:t>영어를 제공한다</a:t>
+                      </a:r>
+                      <a:endParaRPr lang="en-US" altLang="ko-KR" sz="1400" b="0" baseline="0" dirty="0" smtClean="0">
+                        <a:latin typeface="+mn-lt"/>
+                      </a:endParaRPr>
+                    </a:p>
                     <a:p>
                       <a:pPr algn="l" latinLnBrk="1"/>
-                      <a:r>
-                        <a:rPr lang="ko-KR" altLang="en-US" sz="1600" dirty="0" smtClean="0"/>
-                        <a:t>한국어</a:t>
-                      </a:r>
-                      <a:r>
-                        <a:rPr lang="en-US" altLang="ko-KR" sz="1600" baseline="0" dirty="0" smtClean="0"/>
-                        <a:t>/</a:t>
-                      </a:r>
-                      <a:r>
-                        <a:rPr lang="ko-KR" altLang="en-US" sz="1600" baseline="0" dirty="0" smtClean="0"/>
-                        <a:t>영어를 제공한다</a:t>
-                      </a:r>
-                      <a:endParaRPr lang="en-US" altLang="ko-KR" sz="1600" baseline="0" dirty="0" smtClean="0"/>
-                    </a:p>
-                    <a:p>
-                      <a:pPr algn="l" latinLnBrk="1"/>
-                      <a:endParaRPr lang="ko-KR" altLang="en-US" sz="1000" dirty="0"/>
+                      <a:endParaRPr lang="ko-KR" altLang="en-US" sz="1400" b="0" dirty="0">
+                        <a:latin typeface="+mn-lt"/>
+                      </a:endParaRPr>
                     </a:p>
                   </a:txBody>
                   <a:tcPr anchor="ctr"/>
@@ -3696,12 +3734,16 @@
                     <a:bodyPr/>
                     <a:lstStyle/>
                     <a:p>
-                      <a:pPr algn="l" latinLnBrk="1"/>
-                      <a:r>
-                        <a:rPr lang="ko-KR" altLang="en-US" sz="2400" dirty="0" smtClean="0"/>
+                      <a:pPr algn="ctr" latinLnBrk="1"/>
+                      <a:r>
+                        <a:rPr lang="ko-KR" altLang="en-US" sz="2400" b="0" dirty="0" smtClean="0">
+                          <a:latin typeface="+mn-lt"/>
+                        </a:rPr>
                         <a:t>결제</a:t>
                       </a:r>
-                      <a:endParaRPr lang="ko-KR" altLang="en-US" sz="2400" dirty="0"/>
+                      <a:endParaRPr lang="ko-KR" altLang="en-US" sz="2400" b="0" dirty="0">
+                        <a:latin typeface="+mn-lt"/>
+                      </a:endParaRPr>
                     </a:p>
                   </a:txBody>
                   <a:tcPr anchor="ctr"/>
@@ -3716,22 +3758,32 @@
                         <a:buChar char="•"/>
                       </a:pPr>
                       <a:r>
-                        <a:rPr lang="ko-KR" altLang="en-US" sz="1200" dirty="0" err="1" smtClean="0"/>
+                        <a:rPr lang="ko-KR" altLang="en-US" sz="1400" b="0" dirty="0" err="1" smtClean="0">
+                          <a:latin typeface="+mn-lt"/>
+                        </a:rPr>
                         <a:t>결제수단은</a:t>
                       </a:r>
                       <a:r>
-                        <a:rPr lang="ko-KR" altLang="en-US" sz="1200" dirty="0" smtClean="0"/>
+                        <a:rPr lang="ko-KR" altLang="en-US" sz="1400" b="0" dirty="0" smtClean="0">
+                          <a:latin typeface="+mn-lt"/>
+                        </a:rPr>
                         <a:t> 신용카드와 </a:t>
                       </a:r>
                       <a:r>
-                        <a:rPr lang="ko-KR" altLang="en-US" sz="1200" dirty="0" err="1" smtClean="0"/>
+                        <a:rPr lang="ko-KR" altLang="en-US" sz="1400" b="0" dirty="0" err="1" smtClean="0">
+                          <a:latin typeface="+mn-lt"/>
+                        </a:rPr>
                         <a:t>무통장결제</a:t>
                       </a:r>
                       <a:r>
-                        <a:rPr lang="ko-KR" altLang="en-US" sz="1200" dirty="0" smtClean="0"/>
+                        <a:rPr lang="ko-KR" altLang="en-US" sz="1400" b="0" dirty="0" smtClean="0">
+                          <a:latin typeface="+mn-lt"/>
+                        </a:rPr>
                         <a:t> 휴대폰결제로 이루어진다</a:t>
                       </a:r>
-                      <a:endParaRPr lang="en-US" altLang="ko-KR" sz="1200" dirty="0" smtClean="0"/>
+                      <a:endParaRPr lang="en-US" altLang="ko-KR" sz="1400" b="0" dirty="0" smtClean="0">
+                        <a:latin typeface="+mn-lt"/>
+                      </a:endParaRPr>
                     </a:p>
                     <a:p>
                       <a:pPr marL="285750" indent="-285750" algn="l" latinLnBrk="1">
@@ -3739,10 +3791,14 @@
                         <a:buChar char="•"/>
                       </a:pPr>
                       <a:r>
-                        <a:rPr lang="ko-KR" altLang="en-US" sz="1200" dirty="0" smtClean="0"/>
+                        <a:rPr lang="ko-KR" altLang="en-US" sz="1400" b="0" dirty="0" smtClean="0">
+                          <a:latin typeface="+mn-lt"/>
+                        </a:rPr>
                         <a:t>요금은 호스트가 예약을 수락하는 시점에 청구되며 즉시 예약의 경우 즉시 청구된다</a:t>
                       </a:r>
-                      <a:endParaRPr lang="en-US" altLang="ko-KR" sz="1200" dirty="0" smtClean="0"/>
+                      <a:endParaRPr lang="en-US" altLang="ko-KR" sz="1400" b="0" dirty="0" smtClean="0">
+                        <a:latin typeface="+mn-lt"/>
+                      </a:endParaRPr>
                     </a:p>
                     <a:p>
                       <a:pPr marL="285750" indent="-285750" algn="l" latinLnBrk="1">
@@ -3750,22 +3806,32 @@
                         <a:buChar char="•"/>
                       </a:pPr>
                       <a:r>
-                        <a:rPr lang="ko-KR" altLang="en-US" sz="1200" dirty="0" smtClean="0"/>
+                        <a:rPr lang="ko-KR" altLang="en-US" sz="1400" b="0" dirty="0" smtClean="0">
+                          <a:latin typeface="+mn-lt"/>
+                        </a:rPr>
                         <a:t>특정 조건을 충족하는 예약을 경우 총 예약금을 여러 회에 걸쳐 분할 결제 할 수 있으며</a:t>
                       </a:r>
                       <a:r>
-                        <a:rPr lang="en-US" altLang="ko-KR" sz="1200" dirty="0" smtClean="0"/>
+                        <a:rPr lang="en-US" altLang="ko-KR" sz="1400" b="0" dirty="0" smtClean="0">
+                          <a:latin typeface="+mn-lt"/>
+                        </a:rPr>
                         <a:t>, </a:t>
                       </a:r>
                       <a:r>
-                        <a:rPr lang="ko-KR" altLang="en-US" sz="1200" dirty="0" smtClean="0"/>
+                        <a:rPr lang="ko-KR" altLang="en-US" sz="1400" b="0" dirty="0" smtClean="0">
+                          <a:latin typeface="+mn-lt"/>
+                        </a:rPr>
                         <a:t>한번에 예약금 전액을 결제 할 수도 있다</a:t>
                       </a:r>
                       <a:r>
-                        <a:rPr lang="en-US" altLang="ko-KR" sz="1200" dirty="0" smtClean="0"/>
+                        <a:rPr lang="en-US" altLang="ko-KR" sz="1400" b="0" dirty="0" smtClean="0">
+                          <a:latin typeface="+mn-lt"/>
+                        </a:rPr>
                         <a:t>.</a:t>
                       </a:r>
-                      <a:endParaRPr lang="ko-KR" altLang="en-US" sz="1200" dirty="0"/>
+                      <a:endParaRPr lang="ko-KR" altLang="en-US" sz="1400" b="0" dirty="0">
+                        <a:latin typeface="+mn-lt"/>
+                      </a:endParaRPr>
                     </a:p>
                   </a:txBody>
                   <a:tcPr anchor="ctr"/>
@@ -3793,12 +3859,16 @@
                     <a:bodyPr/>
                     <a:lstStyle/>
                     <a:p>
-                      <a:pPr algn="l" latinLnBrk="1"/>
-                      <a:r>
-                        <a:rPr lang="ko-KR" altLang="en-US" sz="2400" dirty="0" err="1" smtClean="0"/>
+                      <a:pPr algn="ctr" latinLnBrk="1"/>
+                      <a:r>
+                        <a:rPr lang="ko-KR" altLang="en-US" sz="2400" b="0" dirty="0" err="1" smtClean="0">
+                          <a:latin typeface="+mn-lt"/>
+                        </a:rPr>
                         <a:t>환불규정</a:t>
                       </a:r>
-                      <a:endParaRPr lang="ko-KR" altLang="en-US" sz="2400" dirty="0"/>
+                      <a:endParaRPr lang="ko-KR" altLang="en-US" sz="2400" b="0" dirty="0">
+                        <a:latin typeface="+mn-lt"/>
+                      </a:endParaRPr>
                     </a:p>
                   </a:txBody>
                   <a:tcPr anchor="ctr"/>
@@ -3813,30 +3883,44 @@
                         <a:buChar char="•"/>
                       </a:pPr>
                       <a:r>
-                        <a:rPr lang="ko-KR" altLang="en-US" sz="1400" dirty="0" smtClean="0"/>
+                        <a:rPr lang="ko-KR" altLang="en-US" sz="1400" b="0" dirty="0" smtClean="0">
+                          <a:latin typeface="+mn-lt"/>
+                        </a:rPr>
                         <a:t>예약</a:t>
                       </a:r>
                       <a:r>
-                        <a:rPr lang="ko-KR" altLang="en-US" sz="1400" baseline="0" dirty="0" smtClean="0"/>
+                        <a:rPr lang="ko-KR" altLang="en-US" sz="1400" b="0" baseline="0" dirty="0" smtClean="0">
+                          <a:latin typeface="+mn-lt"/>
+                        </a:rPr>
                         <a:t> 후 </a:t>
                       </a:r>
                       <a:r>
-                        <a:rPr lang="ko-KR" altLang="en-US" sz="1400" baseline="0" dirty="0" err="1" smtClean="0"/>
+                        <a:rPr lang="ko-KR" altLang="en-US" sz="1400" b="0" baseline="0" dirty="0" err="1" smtClean="0">
+                          <a:latin typeface="+mn-lt"/>
+                        </a:rPr>
                         <a:t>날짜변경</a:t>
                       </a:r>
                       <a:r>
-                        <a:rPr lang="en-US" altLang="ko-KR" sz="1400" baseline="0" dirty="0" smtClean="0"/>
+                        <a:rPr lang="en-US" altLang="ko-KR" sz="1400" b="0" baseline="0" dirty="0" smtClean="0">
+                          <a:latin typeface="+mn-lt"/>
+                        </a:rPr>
                         <a:t>, </a:t>
                       </a:r>
                       <a:r>
-                        <a:rPr lang="ko-KR" altLang="en-US" sz="1400" baseline="0" dirty="0" err="1" smtClean="0"/>
+                        <a:rPr lang="ko-KR" altLang="en-US" sz="1400" b="0" baseline="0" dirty="0" err="1" smtClean="0">
+                          <a:latin typeface="+mn-lt"/>
+                        </a:rPr>
                         <a:t>객실변경은</a:t>
                       </a:r>
                       <a:r>
-                        <a:rPr lang="ko-KR" altLang="en-US" sz="1400" baseline="0" dirty="0" smtClean="0"/>
+                        <a:rPr lang="ko-KR" altLang="en-US" sz="1400" b="0" baseline="0" dirty="0" smtClean="0">
+                          <a:latin typeface="+mn-lt"/>
+                        </a:rPr>
                         <a:t> 예약 취소 후 다시 예약하셔야 합니다</a:t>
                       </a:r>
-                      <a:endParaRPr lang="en-US" altLang="ko-KR" sz="1400" baseline="0" dirty="0" smtClean="0"/>
+                      <a:endParaRPr lang="en-US" altLang="ko-KR" sz="1400" b="0" baseline="0" dirty="0" smtClean="0">
+                        <a:latin typeface="+mn-lt"/>
+                      </a:endParaRPr>
                     </a:p>
                     <a:p>
                       <a:pPr marL="171450" indent="-171450" algn="l" latinLnBrk="1">
@@ -3844,18 +3928,26 @@
                         <a:buChar char="•"/>
                       </a:pPr>
                       <a:r>
-                        <a:rPr lang="ko-KR" altLang="en-US" sz="1400" baseline="0" dirty="0" smtClean="0"/>
+                        <a:rPr lang="ko-KR" altLang="en-US" sz="1400" b="0" baseline="0" dirty="0" smtClean="0">
+                          <a:latin typeface="+mn-lt"/>
+                        </a:rPr>
                         <a:t>객실과 날짜는 </a:t>
                       </a:r>
                       <a:r>
-                        <a:rPr lang="ko-KR" altLang="en-US" sz="1400" baseline="0" dirty="0" err="1" smtClean="0"/>
+                        <a:rPr lang="ko-KR" altLang="en-US" sz="1400" b="0" baseline="0" dirty="0" err="1" smtClean="0">
+                          <a:latin typeface="+mn-lt"/>
+                        </a:rPr>
                         <a:t>예약전</a:t>
                       </a:r>
                       <a:r>
-                        <a:rPr lang="ko-KR" altLang="en-US" sz="1400" baseline="0" dirty="0" smtClean="0"/>
+                        <a:rPr lang="ko-KR" altLang="en-US" sz="1400" b="0" baseline="0" dirty="0" smtClean="0">
+                          <a:latin typeface="+mn-lt"/>
+                        </a:rPr>
                         <a:t> 신중히 생각하시고 결정해주시기 바랍니다</a:t>
                       </a:r>
-                      <a:endParaRPr lang="en-US" altLang="ko-KR" sz="1400" baseline="0" dirty="0" smtClean="0"/>
+                      <a:endParaRPr lang="en-US" altLang="ko-KR" sz="1400" b="0" baseline="0" dirty="0" smtClean="0">
+                        <a:latin typeface="+mn-lt"/>
+                      </a:endParaRPr>
                     </a:p>
                     <a:p>
                       <a:pPr marL="171450" indent="-171450" algn="l" latinLnBrk="1">
@@ -3863,18 +3955,26 @@
                         <a:buChar char="•"/>
                       </a:pPr>
                       <a:r>
-                        <a:rPr lang="ko-KR" altLang="en-US" sz="1400" baseline="0" dirty="0" smtClean="0"/>
+                        <a:rPr lang="ko-KR" altLang="en-US" sz="1400" b="0" baseline="0" dirty="0" smtClean="0">
+                          <a:latin typeface="+mn-lt"/>
+                        </a:rPr>
                         <a:t>환불은 입금자명으로 되며 </a:t>
                       </a:r>
                       <a:r>
-                        <a:rPr lang="ko-KR" altLang="en-US" sz="1400" baseline="0" dirty="0" err="1" smtClean="0"/>
+                        <a:rPr lang="ko-KR" altLang="en-US" sz="1400" b="0" baseline="0" dirty="0" err="1" smtClean="0">
+                          <a:latin typeface="+mn-lt"/>
+                        </a:rPr>
                         <a:t>입금시</a:t>
                       </a:r>
                       <a:r>
-                        <a:rPr lang="ko-KR" altLang="en-US" sz="1400" baseline="0" dirty="0" smtClean="0"/>
+                        <a:rPr lang="ko-KR" altLang="en-US" sz="1400" b="0" baseline="0" dirty="0" smtClean="0">
+                          <a:latin typeface="+mn-lt"/>
+                        </a:rPr>
                         <a:t> 송금수수료는 제외한 후 입금됩니다</a:t>
                       </a:r>
-                      <a:endParaRPr lang="en-US" altLang="ko-KR" sz="1400" baseline="0" dirty="0" smtClean="0"/>
+                      <a:endParaRPr lang="en-US" altLang="ko-KR" sz="1400" b="0" baseline="0" dirty="0" smtClean="0">
+                        <a:latin typeface="+mn-lt"/>
+                      </a:endParaRPr>
                     </a:p>
                   </a:txBody>
                   <a:tcPr anchor="ctr"/>
@@ -4376,7 +4476,7 @@
           <p:nvPr>
             <p:extLst>
               <p:ext uri="{D42A27DB-BD31-4B8C-83A1-F6EECF244321}">
-                <p14:modId xmlns:p14="http://schemas.microsoft.com/office/powerpoint/2010/main" val="762795293"/>
+                <p14:modId xmlns:p14="http://schemas.microsoft.com/office/powerpoint/2010/main" val="177078081"/>
               </p:ext>
             </p:extLst>
           </p:nvPr>
@@ -4584,18 +4684,18 @@
                     <a:p>
                       <a:pPr algn="ctr" latinLnBrk="1"/>
                       <a:r>
-                        <a:rPr lang="ko-KR" altLang="en-US" sz="2000" b="1" dirty="0" err="1" smtClean="0"/>
+                        <a:rPr lang="ko-KR" altLang="en-US" sz="2000" b="0" dirty="0" err="1" smtClean="0"/>
                         <a:t>페이지별</a:t>
                       </a:r>
-                      <a:endParaRPr lang="en-US" altLang="ko-KR" sz="2000" b="1" dirty="0" smtClean="0"/>
+                      <a:endParaRPr lang="en-US" altLang="ko-KR" sz="2000" b="0" dirty="0" smtClean="0"/>
                     </a:p>
                     <a:p>
                       <a:pPr algn="ctr" latinLnBrk="1"/>
                       <a:r>
-                        <a:rPr lang="ko-KR" altLang="en-US" sz="2000" b="1" dirty="0" smtClean="0"/>
+                        <a:rPr lang="ko-KR" altLang="en-US" sz="2000" b="0" dirty="0" smtClean="0"/>
                         <a:t>권한</a:t>
                       </a:r>
-                      <a:endParaRPr lang="ko-KR" altLang="en-US" sz="2000" b="1" dirty="0"/>
+                      <a:endParaRPr lang="ko-KR" altLang="en-US" sz="2000" b="0" dirty="0"/>
                     </a:p>
                   </a:txBody>
                   <a:tcPr anchor="ctr"/>
@@ -4607,10 +4707,10 @@
                     <a:p>
                       <a:pPr algn="ctr" latinLnBrk="1"/>
                       <a:r>
-                        <a:rPr lang="en-US" altLang="ko-KR" sz="2000" b="1" dirty="0" smtClean="0"/>
+                        <a:rPr lang="en-US" altLang="ko-KR" sz="2000" b="0" dirty="0" smtClean="0"/>
                         <a:t>About</a:t>
                       </a:r>
-                      <a:endParaRPr lang="ko-KR" altLang="en-US" sz="2000" b="1" dirty="0"/>
+                      <a:endParaRPr lang="ko-KR" altLang="en-US" sz="2000" b="0" dirty="0"/>
                     </a:p>
                   </a:txBody>
                   <a:tcPr anchor="ctr"/>
@@ -5004,10 +5104,10 @@
                     <a:p>
                       <a:pPr algn="ctr" latinLnBrk="1"/>
                       <a:r>
-                        <a:rPr lang="en-US" altLang="ko-KR" sz="2000" b="1" dirty="0" smtClean="0"/>
+                        <a:rPr lang="en-US" altLang="ko-KR" sz="2000" b="0" dirty="0" smtClean="0"/>
                         <a:t>Rooms</a:t>
                       </a:r>
-                      <a:endParaRPr lang="ko-KR" altLang="en-US" sz="2000" b="1" dirty="0"/>
+                      <a:endParaRPr lang="ko-KR" altLang="en-US" sz="2000" b="0" dirty="0"/>
                     </a:p>
                   </a:txBody>
                   <a:tcPr anchor="ctr"/>
@@ -5401,10 +5501,10 @@
                     <a:p>
                       <a:pPr algn="ctr" latinLnBrk="1"/>
                       <a:r>
-                        <a:rPr lang="en-US" altLang="ko-KR" sz="2000" b="1" dirty="0" smtClean="0"/>
+                        <a:rPr lang="en-US" altLang="ko-KR" sz="2000" b="0" dirty="0" smtClean="0"/>
                         <a:t>Reservation</a:t>
                       </a:r>
-                      <a:endParaRPr lang="ko-KR" altLang="en-US" sz="2000" b="1" dirty="0"/>
+                      <a:endParaRPr lang="ko-KR" altLang="en-US" sz="2000" b="0" dirty="0"/>
                     </a:p>
                   </a:txBody>
                   <a:tcPr anchor="ctr"/>
@@ -5447,7 +5547,7 @@
                       <a:pPr algn="ctr" latinLnBrk="1"/>
                       <a:r>
                         <a:rPr lang="en-US" altLang="ko-KR" sz="1400" b="0" dirty="0" smtClean="0"/>
-                        <a:t>O</a:t>
+                        <a:t>X</a:t>
                       </a:r>
                       <a:endParaRPr lang="ko-KR" altLang="en-US" sz="1400" b="0" dirty="0"/>
                     </a:p>
@@ -5492,11 +5592,7 @@
                       <a:pPr algn="ctr" latinLnBrk="1"/>
                       <a:r>
                         <a:rPr lang="en-US" altLang="ko-KR" sz="1400" b="0" dirty="0" smtClean="0"/>
-                        <a:t>Reservation </a:t>
-                      </a:r>
-                      <a:r>
-                        <a:rPr lang="ko-KR" altLang="en-US" sz="1400" b="0" dirty="0" smtClean="0"/>
-                        <a:t>조회</a:t>
+                        <a:t>X</a:t>
                       </a:r>
                       <a:endParaRPr lang="ko-KR" altLang="en-US" sz="1400" b="0" dirty="0"/>
                     </a:p>
@@ -5826,10 +5922,10 @@
                     <a:p>
                       <a:pPr algn="ctr" latinLnBrk="1"/>
                       <a:r>
-                        <a:rPr lang="en-US" altLang="ko-KR" sz="2000" b="1" dirty="0" smtClean="0"/>
+                        <a:rPr lang="en-US" altLang="ko-KR" sz="2000" b="0" dirty="0" smtClean="0"/>
                         <a:t>Community</a:t>
                       </a:r>
-                      <a:endParaRPr lang="ko-KR" altLang="en-US" sz="2000" b="1" dirty="0"/>
+                      <a:endParaRPr lang="ko-KR" altLang="en-US" sz="2000" b="0" dirty="0"/>
                     </a:p>
                   </a:txBody>
                   <a:tcPr anchor="ctr"/>
@@ -6227,14 +6323,14 @@
                     <a:p>
                       <a:pPr algn="ctr" latinLnBrk="1"/>
                       <a:r>
-                        <a:rPr lang="en-US" altLang="ko-KR" sz="2000" b="1" dirty="0" smtClean="0"/>
+                        <a:rPr lang="en-US" altLang="ko-KR" sz="2000" b="0" dirty="0" smtClean="0"/>
                         <a:t>My</a:t>
                       </a:r>
                       <a:r>
-                        <a:rPr lang="en-US" altLang="ko-KR" sz="2000" b="1" baseline="0" dirty="0" smtClean="0"/>
+                        <a:rPr lang="en-US" altLang="ko-KR" sz="2000" b="0" baseline="0" dirty="0" smtClean="0"/>
                         <a:t> Page</a:t>
                       </a:r>
-                      <a:endParaRPr lang="ko-KR" altLang="en-US" sz="2000" b="1" dirty="0"/>
+                      <a:endParaRPr lang="ko-KR" altLang="en-US" sz="2000" b="0" dirty="0"/>
                     </a:p>
                   </a:txBody>
                   <a:tcPr anchor="ctr"/>
@@ -13319,30 +13415,6 @@
           </a:p>
         </p:txBody>
       </p:sp>
-      <p:pic>
-        <p:nvPicPr>
-          <p:cNvPr id="2" name="그림 1"/>
-          <p:cNvPicPr>
-            <a:picLocks noChangeAspect="1"/>
-          </p:cNvPicPr>
-          <p:nvPr/>
-        </p:nvPicPr>
-        <p:blipFill>
-          <a:blip r:embed="rId2"/>
-          <a:stretch>
-            <a:fillRect/>
-          </a:stretch>
-        </p:blipFill>
-        <p:spPr>
-          <a:xfrm>
-            <a:off x="2453432" y="1088967"/>
-            <a:ext cx="9127164" cy="5494713"/>
-          </a:xfrm>
-          <a:prstGeom prst="rect">
-            <a:avLst/>
-          </a:prstGeom>
-        </p:spPr>
-      </p:pic>
       <p:sp>
         <p:nvSpPr>
           <p:cNvPr id="3" name="직사각형 2"/>
@@ -13363,6 +13435,76 @@
           <a:ln>
             <a:solidFill>
               <a:schemeClr val="bg1"/>
+            </a:solidFill>
+          </a:ln>
+        </p:spPr>
+        <p:style>
+          <a:lnRef idx="2">
+            <a:schemeClr val="accent1">
+              <a:shade val="50000"/>
+            </a:schemeClr>
+          </a:lnRef>
+          <a:fillRef idx="1">
+            <a:schemeClr val="accent1"/>
+          </a:fillRef>
+          <a:effectRef idx="0">
+            <a:schemeClr val="accent1"/>
+          </a:effectRef>
+          <a:fontRef idx="minor">
+            <a:schemeClr val="lt1"/>
+          </a:fontRef>
+        </p:style>
+        <p:txBody>
+          <a:bodyPr rtlCol="0" anchor="ctr"/>
+          <a:lstStyle/>
+          <a:p>
+            <a:pPr algn="ctr"/>
+            <a:endParaRPr lang="ko-KR" altLang="en-US"/>
+          </a:p>
+        </p:txBody>
+      </p:sp>
+      <p:pic>
+        <p:nvPicPr>
+          <p:cNvPr id="4" name="그림 3"/>
+          <p:cNvPicPr>
+            <a:picLocks noChangeAspect="1"/>
+          </p:cNvPicPr>
+          <p:nvPr/>
+        </p:nvPicPr>
+        <p:blipFill>
+          <a:blip r:embed="rId2"/>
+          <a:stretch>
+            <a:fillRect/>
+          </a:stretch>
+        </p:blipFill>
+        <p:spPr>
+          <a:xfrm>
+            <a:off x="2356196" y="1097279"/>
+            <a:ext cx="9224400" cy="5685905"/>
+          </a:xfrm>
+          <a:prstGeom prst="rect">
+            <a:avLst/>
+          </a:prstGeom>
+        </p:spPr>
+      </p:pic>
+      <p:sp>
+        <p:nvSpPr>
+          <p:cNvPr id="5" name="직사각형 4"/>
+          <p:cNvSpPr/>
+          <p:nvPr/>
+        </p:nvSpPr>
+        <p:spPr>
+          <a:xfrm>
+            <a:off x="3000895" y="1088966"/>
+            <a:ext cx="8146472" cy="5685905"/>
+          </a:xfrm>
+          <a:prstGeom prst="rect">
+            <a:avLst/>
+          </a:prstGeom>
+          <a:noFill/>
+          <a:ln>
+            <a:solidFill>
+              <a:schemeClr val="tx1"/>
             </a:solidFill>
           </a:ln>
         </p:spPr>
